--- a/kubernetes/k8s006.pptx
+++ b/kubernetes/k8s006.pptx
@@ -210,7 +210,7 @@
           <a:p>
             <a:fld id="{63F136E3-80C6-A842-B275-74FC7A4265FC}" type="datetimeFigureOut">
               <a:rPr kumimoji="1" lang="zh-CN" altLang="en-US" smtClean="0"/>
-              <a:t>2019/6/23</a:t>
+              <a:t>2019/7/1</a:t>
             </a:fld>
             <a:endParaRPr kumimoji="1" lang="zh-CN" altLang="en-US"/>
           </a:p>
@@ -835,13 +835,13 @@
           <a:bodyPr/>
           <a:lstStyle/>
           <a:p>
-            <a:endParaRPr kumimoji="1" lang="zh-CN" altLang="en-US" dirty="0"/>
-          </a:p>
-        </p:txBody>
-      </p:sp>
-      <p:sp>
-        <p:nvSpPr>
-          <p:cNvPr id="4" name="幻灯片编号占位符 3"/>
+            <a:endParaRPr lang="zh-CN" altLang="en-US" dirty="0"/>
+          </a:p>
+        </p:txBody>
+      </p:sp>
+      <p:sp>
+        <p:nvSpPr>
+          <p:cNvPr id="4" name="灯片编号占位符 3"/>
           <p:cNvSpPr>
             <a:spLocks noGrp="1"/>
           </p:cNvSpPr>
@@ -856,7 +856,7 @@
           <a:p>
             <a:fld id="{2A48A843-6325-C940-A430-FD72B9AFF102}" type="slidenum">
               <a:rPr kumimoji="1" lang="zh-CN" altLang="en-US" smtClean="0"/>
-              <a:t>12</a:t>
+              <a:t>11</a:t>
             </a:fld>
             <a:endParaRPr kumimoji="1" lang="zh-CN" altLang="en-US"/>
           </a:p>
@@ -865,7 +865,7 @@
     </p:spTree>
     <p:extLst>
       <p:ext uri="{BB962C8B-B14F-4D97-AF65-F5344CB8AC3E}">
-        <p14:creationId xmlns:p14="http://schemas.microsoft.com/office/powerpoint/2010/main" val="618387177"/>
+        <p14:creationId xmlns:p14="http://schemas.microsoft.com/office/powerpoint/2010/main" val="1399453528"/>
       </p:ext>
     </p:extLst>
   </p:cSld>
@@ -919,6 +919,90 @@
           <a:bodyPr/>
           <a:lstStyle/>
           <a:p>
+            <a:endParaRPr kumimoji="1" lang="zh-CN" altLang="en-US" dirty="0"/>
+          </a:p>
+        </p:txBody>
+      </p:sp>
+      <p:sp>
+        <p:nvSpPr>
+          <p:cNvPr id="4" name="幻灯片编号占位符 3"/>
+          <p:cNvSpPr>
+            <a:spLocks noGrp="1"/>
+          </p:cNvSpPr>
+          <p:nvPr>
+            <p:ph type="sldNum" sz="quarter" idx="10"/>
+          </p:nvPr>
+        </p:nvSpPr>
+        <p:spPr/>
+        <p:txBody>
+          <a:bodyPr/>
+          <a:lstStyle/>
+          <a:p>
+            <a:fld id="{2A48A843-6325-C940-A430-FD72B9AFF102}" type="slidenum">
+              <a:rPr kumimoji="1" lang="zh-CN" altLang="en-US" smtClean="0"/>
+              <a:t>12</a:t>
+            </a:fld>
+            <a:endParaRPr kumimoji="1" lang="zh-CN" altLang="en-US"/>
+          </a:p>
+        </p:txBody>
+      </p:sp>
+    </p:spTree>
+    <p:extLst>
+      <p:ext uri="{BB962C8B-B14F-4D97-AF65-F5344CB8AC3E}">
+        <p14:creationId xmlns:p14="http://schemas.microsoft.com/office/powerpoint/2010/main" val="618387177"/>
+      </p:ext>
+    </p:extLst>
+  </p:cSld>
+  <p:clrMapOvr>
+    <a:masterClrMapping/>
+  </p:clrMapOvr>
+</p:notes>
+</file>
+
+<file path=ppt/notesSlides/notesSlide6.xml><?xml version="1.0" encoding="utf-8"?>
+<p:notes xmlns:a="http://schemas.openxmlformats.org/drawingml/2006/main" xmlns:r="http://schemas.openxmlformats.org/officeDocument/2006/relationships" xmlns:p="http://schemas.openxmlformats.org/presentationml/2006/main">
+  <p:cSld>
+    <p:spTree>
+      <p:nvGrpSpPr>
+        <p:cNvPr id="1" name=""/>
+        <p:cNvGrpSpPr/>
+        <p:nvPr/>
+      </p:nvGrpSpPr>
+      <p:grpSpPr>
+        <a:xfrm>
+          <a:off x="0" y="0"/>
+          <a:ext cx="0" cy="0"/>
+          <a:chOff x="0" y="0"/>
+          <a:chExt cx="0" cy="0"/>
+        </a:xfrm>
+      </p:grpSpPr>
+      <p:sp>
+        <p:nvSpPr>
+          <p:cNvPr id="2" name="幻灯片图像占位符 1"/>
+          <p:cNvSpPr>
+            <a:spLocks noGrp="1" noRot="1" noChangeAspect="1"/>
+          </p:cNvSpPr>
+          <p:nvPr>
+            <p:ph type="sldImg"/>
+          </p:nvPr>
+        </p:nvSpPr>
+        <p:spPr/>
+      </p:sp>
+      <p:sp>
+        <p:nvSpPr>
+          <p:cNvPr id="3" name="备注占位符 2"/>
+          <p:cNvSpPr>
+            <a:spLocks noGrp="1"/>
+          </p:cNvSpPr>
+          <p:nvPr>
+            <p:ph type="body" idx="1"/>
+          </p:nvPr>
+        </p:nvSpPr>
+        <p:spPr/>
+        <p:txBody>
+          <a:bodyPr/>
+          <a:lstStyle/>
+          <a:p>
             <a:pPr marL="0" marR="0" lvl="1" indent="0" algn="l" defTabSz="914400" rtl="0" eaLnBrk="1" fontAlgn="auto" latinLnBrk="0" hangingPunct="1">
               <a:lnSpc>
                 <a:spcPct val="100000"/>
@@ -1002,7 +1086,7 @@
 </p:notes>
 </file>
 
-<file path=ppt/notesSlides/notesSlide6.xml><?xml version="1.0" encoding="utf-8"?>
+<file path=ppt/notesSlides/notesSlide7.xml><?xml version="1.0" encoding="utf-8"?>
 <p:notes xmlns:a="http://schemas.openxmlformats.org/drawingml/2006/main" xmlns:r="http://schemas.openxmlformats.org/officeDocument/2006/relationships" xmlns:p="http://schemas.openxmlformats.org/presentationml/2006/main">
   <p:cSld>
     <p:spTree>
@@ -1181,7 +1265,7 @@
           <a:effectLst/>
           <a:extLst>
             <a:ext uri="{91240B29-F687-4f45-9708-019B960494DF}">
-              <a14:hiddenLine xmlns="" xmlns:a14="http://schemas.microsoft.com/office/drawing/2010/main" w="9525">
+              <a14:hiddenLine xmlns:a14="http://schemas.microsoft.com/office/drawing/2010/main" xmlns="" w="9525">
                 <a:solidFill>
                   <a:srgbClr val="000000"/>
                 </a:solidFill>
@@ -1374,7 +1458,7 @@
             <a:fld id="{08B9EBBA-996F-894A-B54A-D6246ED52CEA}" type="datetimeFigureOut">
               <a:rPr lang="en-US" dirty="0"/>
               <a:pPr/>
-              <a:t>6/23/19</a:t>
+              <a:t>7/1/2019</a:t>
             </a:fld>
             <a:endParaRPr lang="en-US" dirty="0"/>
           </a:p>
@@ -1689,7 +1773,7 @@
             <a:fld id="{18C79C5D-2A6F-F04D-97DA-BEF2467B64E4}" type="datetimeFigureOut">
               <a:rPr lang="en-US" dirty="0"/>
               <a:pPr/>
-              <a:t>6/23/19</a:t>
+              <a:t>7/1/2019</a:t>
             </a:fld>
             <a:endParaRPr lang="en-US" dirty="0"/>
           </a:p>
@@ -2174,7 +2258,7 @@
             <a:fld id="{8DFA1846-DA80-1C48-A609-854EA85C59AD}" type="datetimeFigureOut">
               <a:rPr lang="en-US" dirty="0"/>
               <a:pPr/>
-              <a:t>6/23/19</a:t>
+              <a:t>7/1/2019</a:t>
             </a:fld>
             <a:endParaRPr lang="en-US" dirty="0"/>
           </a:p>
@@ -2540,7 +2624,7 @@
             <a:fld id="{FBF54567-0DE4-3F47-BF90-CB84690072F9}" type="datetimeFigureOut">
               <a:rPr lang="en-US" dirty="0"/>
               <a:pPr/>
-              <a:t>6/23/19</a:t>
+              <a:t>7/1/2019</a:t>
             </a:fld>
             <a:endParaRPr lang="en-US" dirty="0"/>
           </a:p>
@@ -2691,7 +2775,7 @@
           <a:ln/>
           <a:extLst>
             <a:ext uri="{91240B29-F687-4f45-9708-019B960494DF}">
-              <a14:hiddenLine xmlns="" xmlns:a14="http://schemas.microsoft.com/office/drawing/2010/main" w="9525">
+              <a14:hiddenLine xmlns:a14="http://schemas.microsoft.com/office/drawing/2010/main" xmlns="" w="9525">
                 <a:solidFill>
                   <a:srgbClr val="000000"/>
                 </a:solidFill>
@@ -2810,7 +2894,7 @@
             <a:fld id="{C6C52C72-DE31-F449-A4ED-4C594FD91407}" type="datetimeFigureOut">
               <a:rPr lang="en-US" dirty="0"/>
               <a:pPr/>
-              <a:t>6/23/19</a:t>
+              <a:t>7/1/2019</a:t>
             </a:fld>
             <a:endParaRPr lang="en-US" dirty="0"/>
           </a:p>
@@ -2963,7 +3047,7 @@
           <a:ln/>
           <a:extLst>
             <a:ext uri="{91240B29-F687-4f45-9708-019B960494DF}">
-              <a14:hiddenLine xmlns="" xmlns:a14="http://schemas.microsoft.com/office/drawing/2010/main" w="9525">
+              <a14:hiddenLine xmlns:a14="http://schemas.microsoft.com/office/drawing/2010/main" xmlns="" w="9525">
                 <a:solidFill>
                   <a:srgbClr val="000000"/>
                 </a:solidFill>
@@ -3092,7 +3176,7 @@
             <a:fld id="{ED62726E-379B-B349-9EED-81ED093FA806}" type="datetimeFigureOut">
               <a:rPr lang="en-US" dirty="0"/>
               <a:pPr/>
-              <a:t>6/23/19</a:t>
+              <a:t>7/1/2019</a:t>
             </a:fld>
             <a:endParaRPr lang="en-US" dirty="0"/>
           </a:p>
@@ -3243,7 +3327,7 @@
           <a:ln/>
           <a:extLst>
             <a:ext uri="{91240B29-F687-4f45-9708-019B960494DF}">
-              <a14:hiddenLine xmlns="" xmlns:a14="http://schemas.microsoft.com/office/drawing/2010/main" w="9525">
+              <a14:hiddenLine xmlns:a14="http://schemas.microsoft.com/office/drawing/2010/main" xmlns="" w="9525">
                 <a:solidFill>
                   <a:srgbClr val="000000"/>
                 </a:solidFill>
@@ -3372,7 +3456,7 @@
             <a:fld id="{9B3A1323-8D79-1946-B0D7-40001CF92E9D}" type="datetimeFigureOut">
               <a:rPr lang="en-US" dirty="0"/>
               <a:pPr/>
-              <a:t>6/23/19</a:t>
+              <a:t>7/1/2019</a:t>
             </a:fld>
             <a:endParaRPr lang="en-US" dirty="0"/>
           </a:p>
@@ -3712,7 +3796,7 @@
             <a:fld id="{8DFA1846-DA80-1C48-A609-854EA85C59AD}" type="datetimeFigureOut">
               <a:rPr lang="en-US" dirty="0"/>
               <a:pPr/>
-              <a:t>6/23/19</a:t>
+              <a:t>7/1/2019</a:t>
             </a:fld>
             <a:endParaRPr lang="en-US" dirty="0"/>
           </a:p>
@@ -3863,7 +3947,7 @@
           <a:ln/>
           <a:extLst>
             <a:ext uri="{91240B29-F687-4f45-9708-019B960494DF}">
-              <a14:hiddenLine xmlns="" xmlns:a14="http://schemas.microsoft.com/office/drawing/2010/main" w="9525">
+              <a14:hiddenLine xmlns:a14="http://schemas.microsoft.com/office/drawing/2010/main" xmlns="" w="9525">
                 <a:solidFill>
                   <a:srgbClr val="000000"/>
                 </a:solidFill>
@@ -4048,7 +4132,7 @@
             <a:fld id="{57302355-E14B-8545-A8F8-0FE83CC9D524}" type="datetimeFigureOut">
               <a:rPr lang="en-US" dirty="0"/>
               <a:pPr/>
-              <a:t>6/23/19</a:t>
+              <a:t>7/1/2019</a:t>
             </a:fld>
             <a:endParaRPr lang="en-US" dirty="0"/>
           </a:p>
@@ -4199,7 +4283,7 @@
           <a:ln/>
           <a:extLst>
             <a:ext uri="{91240B29-F687-4f45-9708-019B960494DF}">
-              <a14:hiddenLine xmlns="" xmlns:a14="http://schemas.microsoft.com/office/drawing/2010/main" w="9525">
+              <a14:hiddenLine xmlns:a14="http://schemas.microsoft.com/office/drawing/2010/main" xmlns="" w="9525">
                 <a:solidFill>
                   <a:srgbClr val="000000"/>
                 </a:solidFill>
@@ -4522,7 +4606,7 @@
             <a:fld id="{02640F58-564D-2B4F-AE67-E407BA4FCF45}" type="datetimeFigureOut">
               <a:rPr lang="en-US" dirty="0"/>
               <a:pPr/>
-              <a:t>6/23/19</a:t>
+              <a:t>7/1/2019</a:t>
             </a:fld>
             <a:endParaRPr lang="en-US" dirty="0"/>
           </a:p>
@@ -4673,7 +4757,7 @@
           <a:ln/>
           <a:extLst>
             <a:ext uri="{91240B29-F687-4f45-9708-019B960494DF}">
-              <a14:hiddenLine xmlns="" xmlns:a14="http://schemas.microsoft.com/office/drawing/2010/main" w="9525">
+              <a14:hiddenLine xmlns:a14="http://schemas.microsoft.com/office/drawing/2010/main" xmlns="" w="9525">
                 <a:solidFill>
                   <a:srgbClr val="000000"/>
                 </a:solidFill>
@@ -4740,7 +4824,7 @@
             <a:fld id="{F13A34C8-038E-2045-AF43-DF7DBB8E0E9E}" type="datetimeFigureOut">
               <a:rPr lang="en-US" dirty="0"/>
               <a:pPr/>
-              <a:t>6/23/19</a:t>
+              <a:t>7/1/2019</a:t>
             </a:fld>
             <a:endParaRPr lang="en-US" dirty="0"/>
           </a:p>
@@ -4832,7 +4916,7 @@
             <a:fld id="{8818C68F-D26B-8F47-958C-23B49CF8A634}" type="datetimeFigureOut">
               <a:rPr lang="en-US" dirty="0"/>
               <a:pPr/>
-              <a:t>6/23/19</a:t>
+              <a:t>7/1/2019</a:t>
             </a:fld>
             <a:endParaRPr lang="en-US" dirty="0"/>
           </a:p>
@@ -5096,7 +5180,7 @@
           <a:ln/>
           <a:extLst>
             <a:ext uri="{91240B29-F687-4f45-9708-019B960494DF}">
-              <a14:hiddenLine xmlns="" xmlns:a14="http://schemas.microsoft.com/office/drawing/2010/main" w="9525">
+              <a14:hiddenLine xmlns:a14="http://schemas.microsoft.com/office/drawing/2010/main" xmlns="" w="9525">
                 <a:solidFill>
                   <a:srgbClr val="000000"/>
                 </a:solidFill>
@@ -5296,7 +5380,7 @@
             <a:fld id="{D0DF5E60-9974-AC48-9591-99C2BB44B7CF}" type="datetimeFigureOut">
               <a:rPr lang="en-US" dirty="0"/>
               <a:pPr/>
-              <a:t>6/23/19</a:t>
+              <a:t>7/1/2019</a:t>
             </a:fld>
             <a:endParaRPr lang="en-US" dirty="0"/>
           </a:p>
@@ -5606,7 +5690,7 @@
             <a:fld id="{18C79C5D-2A6F-F04D-97DA-BEF2467B64E4}" type="datetimeFigureOut">
               <a:rPr lang="en-US" dirty="0"/>
               <a:pPr/>
-              <a:t>6/23/19</a:t>
+              <a:t>7/1/2019</a:t>
             </a:fld>
             <a:endParaRPr lang="en-US" dirty="0"/>
           </a:p>
@@ -5873,7 +5957,7 @@
             <a:fld id="{09B482E8-6E0E-1B4F-B1FD-C69DB9E858D9}" type="datetimeFigureOut">
               <a:rPr lang="en-US" dirty="0"/>
               <a:pPr/>
-              <a:t>6/23/19</a:t>
+              <a:t>7/1/2019</a:t>
             </a:fld>
             <a:endParaRPr lang="en-US" dirty="0"/>
           </a:p>
@@ -6781,7 +6865,11 @@
           <a:bodyPr/>
           <a:lstStyle/>
           <a:p>
-            <a:endParaRPr kumimoji="1" lang="zh-CN" altLang="en-US"/>
+            <a:r>
+              <a:rPr kumimoji="1" lang="en-US" altLang="zh-CN" dirty="0"/>
+              <a:t>Service</a:t>
+            </a:r>
+            <a:endParaRPr kumimoji="1" lang="zh-CN" altLang="en-US" dirty="0"/>
           </a:p>
         </p:txBody>
       </p:sp>
@@ -6951,7 +7039,7 @@
           <p:nvPr/>
         </p:nvPicPr>
         <p:blipFill>
-          <a:blip r:embed="rId2"/>
+          <a:blip r:embed="rId3"/>
           <a:stretch>
             <a:fillRect/>
           </a:stretch>
@@ -7502,7 +7590,6 @@
               <a:rPr kumimoji="1" lang="en-US" altLang="zh-CN" dirty="0" smtClean="0"/>
               <a:t>Service</a:t>
             </a:r>
-            <a:endParaRPr kumimoji="1" lang="en-US" altLang="zh-CN" dirty="0" smtClean="0"/>
           </a:p>
           <a:p>
             <a:endParaRPr kumimoji="1" lang="en-US" altLang="zh-CN" dirty="0" smtClean="0"/>

--- a/kubernetes/k8s006.pptx
+++ b/kubernetes/k8s006.pptx
@@ -751,6 +751,30 @@
             </a:r>
           </a:p>
           <a:p>
+            <a:r>
+              <a:rPr kumimoji="1" lang="en-US" altLang="zh-CN" dirty="0" smtClean="0"/>
+              <a:t>K8s</a:t>
+            </a:r>
+            <a:r>
+              <a:rPr kumimoji="1" lang="zh-CN" altLang="en-US" baseline="0" dirty="0" smtClean="0"/>
+              <a:t> </a:t>
+            </a:r>
+            <a:r>
+              <a:rPr kumimoji="1" lang="en-US" altLang="zh-CN" baseline="0" dirty="0" smtClean="0"/>
+              <a:t>1.15</a:t>
+            </a:r>
+            <a:r>
+              <a:rPr kumimoji="1" lang="zh-CN" altLang="en-US" baseline="0" dirty="0" smtClean="0"/>
+              <a:t> </a:t>
+            </a:r>
+            <a:r>
+              <a:rPr kumimoji="1" lang="en-US" altLang="zh-CN" baseline="0" dirty="0" smtClean="0"/>
+              <a:t>local</a:t>
+            </a:r>
+            <a:r>
+              <a:rPr kumimoji="1" lang="zh-CN" altLang="en-US" baseline="0" dirty="0" smtClean="0"/>
+              <a:t>工作方式好像有所改变，需要进一步确认</a:t>
+            </a:r>
             <a:endParaRPr kumimoji="1" lang="zh-CN" altLang="en-US" dirty="0"/>
           </a:p>
         </p:txBody>
@@ -1265,7 +1289,7 @@
           <a:effectLst/>
           <a:extLst>
             <a:ext uri="{91240B29-F687-4f45-9708-019B960494DF}">
-              <a14:hiddenLine xmlns:a14="http://schemas.microsoft.com/office/drawing/2010/main" xmlns="" w="9525">
+              <a14:hiddenLine xmlns="" xmlns:a14="http://schemas.microsoft.com/office/drawing/2010/main" w="9525">
                 <a:solidFill>
                   <a:srgbClr val="000000"/>
                 </a:solidFill>
@@ -1458,7 +1482,7 @@
             <a:fld id="{08B9EBBA-996F-894A-B54A-D6246ED52CEA}" type="datetimeFigureOut">
               <a:rPr lang="en-US" dirty="0"/>
               <a:pPr/>
-              <a:t>7/1/2019</a:t>
+              <a:t>7/1/19</a:t>
             </a:fld>
             <a:endParaRPr lang="en-US" dirty="0"/>
           </a:p>
@@ -1773,7 +1797,7 @@
             <a:fld id="{18C79C5D-2A6F-F04D-97DA-BEF2467B64E4}" type="datetimeFigureOut">
               <a:rPr lang="en-US" dirty="0"/>
               <a:pPr/>
-              <a:t>7/1/2019</a:t>
+              <a:t>7/1/19</a:t>
             </a:fld>
             <a:endParaRPr lang="en-US" dirty="0"/>
           </a:p>
@@ -2258,7 +2282,7 @@
             <a:fld id="{8DFA1846-DA80-1C48-A609-854EA85C59AD}" type="datetimeFigureOut">
               <a:rPr lang="en-US" dirty="0"/>
               <a:pPr/>
-              <a:t>7/1/2019</a:t>
+              <a:t>7/1/19</a:t>
             </a:fld>
             <a:endParaRPr lang="en-US" dirty="0"/>
           </a:p>
@@ -2624,7 +2648,7 @@
             <a:fld id="{FBF54567-0DE4-3F47-BF90-CB84690072F9}" type="datetimeFigureOut">
               <a:rPr lang="en-US" dirty="0"/>
               <a:pPr/>
-              <a:t>7/1/2019</a:t>
+              <a:t>7/1/19</a:t>
             </a:fld>
             <a:endParaRPr lang="en-US" dirty="0"/>
           </a:p>
@@ -2775,7 +2799,7 @@
           <a:ln/>
           <a:extLst>
             <a:ext uri="{91240B29-F687-4f45-9708-019B960494DF}">
-              <a14:hiddenLine xmlns:a14="http://schemas.microsoft.com/office/drawing/2010/main" xmlns="" w="9525">
+              <a14:hiddenLine xmlns="" xmlns:a14="http://schemas.microsoft.com/office/drawing/2010/main" w="9525">
                 <a:solidFill>
                   <a:srgbClr val="000000"/>
                 </a:solidFill>
@@ -2894,7 +2918,7 @@
             <a:fld id="{C6C52C72-DE31-F449-A4ED-4C594FD91407}" type="datetimeFigureOut">
               <a:rPr lang="en-US" dirty="0"/>
               <a:pPr/>
-              <a:t>7/1/2019</a:t>
+              <a:t>7/1/19</a:t>
             </a:fld>
             <a:endParaRPr lang="en-US" dirty="0"/>
           </a:p>
@@ -3047,7 +3071,7 @@
           <a:ln/>
           <a:extLst>
             <a:ext uri="{91240B29-F687-4f45-9708-019B960494DF}">
-              <a14:hiddenLine xmlns:a14="http://schemas.microsoft.com/office/drawing/2010/main" xmlns="" w="9525">
+              <a14:hiddenLine xmlns="" xmlns:a14="http://schemas.microsoft.com/office/drawing/2010/main" w="9525">
                 <a:solidFill>
                   <a:srgbClr val="000000"/>
                 </a:solidFill>
@@ -3176,7 +3200,7 @@
             <a:fld id="{ED62726E-379B-B349-9EED-81ED093FA806}" type="datetimeFigureOut">
               <a:rPr lang="en-US" dirty="0"/>
               <a:pPr/>
-              <a:t>7/1/2019</a:t>
+              <a:t>7/1/19</a:t>
             </a:fld>
             <a:endParaRPr lang="en-US" dirty="0"/>
           </a:p>
@@ -3327,7 +3351,7 @@
           <a:ln/>
           <a:extLst>
             <a:ext uri="{91240B29-F687-4f45-9708-019B960494DF}">
-              <a14:hiddenLine xmlns:a14="http://schemas.microsoft.com/office/drawing/2010/main" xmlns="" w="9525">
+              <a14:hiddenLine xmlns="" xmlns:a14="http://schemas.microsoft.com/office/drawing/2010/main" w="9525">
                 <a:solidFill>
                   <a:srgbClr val="000000"/>
                 </a:solidFill>
@@ -3456,7 +3480,7 @@
             <a:fld id="{9B3A1323-8D79-1946-B0D7-40001CF92E9D}" type="datetimeFigureOut">
               <a:rPr lang="en-US" dirty="0"/>
               <a:pPr/>
-              <a:t>7/1/2019</a:t>
+              <a:t>7/1/19</a:t>
             </a:fld>
             <a:endParaRPr lang="en-US" dirty="0"/>
           </a:p>
@@ -3796,7 +3820,7 @@
             <a:fld id="{8DFA1846-DA80-1C48-A609-854EA85C59AD}" type="datetimeFigureOut">
               <a:rPr lang="en-US" dirty="0"/>
               <a:pPr/>
-              <a:t>7/1/2019</a:t>
+              <a:t>7/1/19</a:t>
             </a:fld>
             <a:endParaRPr lang="en-US" dirty="0"/>
           </a:p>
@@ -3947,7 +3971,7 @@
           <a:ln/>
           <a:extLst>
             <a:ext uri="{91240B29-F687-4f45-9708-019B960494DF}">
-              <a14:hiddenLine xmlns:a14="http://schemas.microsoft.com/office/drawing/2010/main" xmlns="" w="9525">
+              <a14:hiddenLine xmlns="" xmlns:a14="http://schemas.microsoft.com/office/drawing/2010/main" w="9525">
                 <a:solidFill>
                   <a:srgbClr val="000000"/>
                 </a:solidFill>
@@ -4132,7 +4156,7 @@
             <a:fld id="{57302355-E14B-8545-A8F8-0FE83CC9D524}" type="datetimeFigureOut">
               <a:rPr lang="en-US" dirty="0"/>
               <a:pPr/>
-              <a:t>7/1/2019</a:t>
+              <a:t>7/1/19</a:t>
             </a:fld>
             <a:endParaRPr lang="en-US" dirty="0"/>
           </a:p>
@@ -4283,7 +4307,7 @@
           <a:ln/>
           <a:extLst>
             <a:ext uri="{91240B29-F687-4f45-9708-019B960494DF}">
-              <a14:hiddenLine xmlns:a14="http://schemas.microsoft.com/office/drawing/2010/main" xmlns="" w="9525">
+              <a14:hiddenLine xmlns="" xmlns:a14="http://schemas.microsoft.com/office/drawing/2010/main" w="9525">
                 <a:solidFill>
                   <a:srgbClr val="000000"/>
                 </a:solidFill>
@@ -4606,7 +4630,7 @@
             <a:fld id="{02640F58-564D-2B4F-AE67-E407BA4FCF45}" type="datetimeFigureOut">
               <a:rPr lang="en-US" dirty="0"/>
               <a:pPr/>
-              <a:t>7/1/2019</a:t>
+              <a:t>7/1/19</a:t>
             </a:fld>
             <a:endParaRPr lang="en-US" dirty="0"/>
           </a:p>
@@ -4757,7 +4781,7 @@
           <a:ln/>
           <a:extLst>
             <a:ext uri="{91240B29-F687-4f45-9708-019B960494DF}">
-              <a14:hiddenLine xmlns:a14="http://schemas.microsoft.com/office/drawing/2010/main" xmlns="" w="9525">
+              <a14:hiddenLine xmlns="" xmlns:a14="http://schemas.microsoft.com/office/drawing/2010/main" w="9525">
                 <a:solidFill>
                   <a:srgbClr val="000000"/>
                 </a:solidFill>
@@ -4824,7 +4848,7 @@
             <a:fld id="{F13A34C8-038E-2045-AF43-DF7DBB8E0E9E}" type="datetimeFigureOut">
               <a:rPr lang="en-US" dirty="0"/>
               <a:pPr/>
-              <a:t>7/1/2019</a:t>
+              <a:t>7/1/19</a:t>
             </a:fld>
             <a:endParaRPr lang="en-US" dirty="0"/>
           </a:p>
@@ -4916,7 +4940,7 @@
             <a:fld id="{8818C68F-D26B-8F47-958C-23B49CF8A634}" type="datetimeFigureOut">
               <a:rPr lang="en-US" dirty="0"/>
               <a:pPr/>
-              <a:t>7/1/2019</a:t>
+              <a:t>7/1/19</a:t>
             </a:fld>
             <a:endParaRPr lang="en-US" dirty="0"/>
           </a:p>
@@ -5180,7 +5204,7 @@
           <a:ln/>
           <a:extLst>
             <a:ext uri="{91240B29-F687-4f45-9708-019B960494DF}">
-              <a14:hiddenLine xmlns:a14="http://schemas.microsoft.com/office/drawing/2010/main" xmlns="" w="9525">
+              <a14:hiddenLine xmlns="" xmlns:a14="http://schemas.microsoft.com/office/drawing/2010/main" w="9525">
                 <a:solidFill>
                   <a:srgbClr val="000000"/>
                 </a:solidFill>
@@ -5380,7 +5404,7 @@
             <a:fld id="{D0DF5E60-9974-AC48-9591-99C2BB44B7CF}" type="datetimeFigureOut">
               <a:rPr lang="en-US" dirty="0"/>
               <a:pPr/>
-              <a:t>7/1/2019</a:t>
+              <a:t>7/1/19</a:t>
             </a:fld>
             <a:endParaRPr lang="en-US" dirty="0"/>
           </a:p>
@@ -5690,7 +5714,7 @@
             <a:fld id="{18C79C5D-2A6F-F04D-97DA-BEF2467B64E4}" type="datetimeFigureOut">
               <a:rPr lang="en-US" dirty="0"/>
               <a:pPr/>
-              <a:t>7/1/2019</a:t>
+              <a:t>7/1/19</a:t>
             </a:fld>
             <a:endParaRPr lang="en-US" dirty="0"/>
           </a:p>
@@ -5957,7 +5981,7 @@
             <a:fld id="{09B482E8-6E0E-1B4F-B1FD-C69DB9E858D9}" type="datetimeFigureOut">
               <a:rPr lang="en-US" dirty="0"/>
               <a:pPr/>
-              <a:t>7/1/2019</a:t>
+              <a:t>7/1/19</a:t>
             </a:fld>
             <a:endParaRPr lang="en-US" dirty="0"/>
           </a:p>
@@ -7345,8 +7369,9 @@
           <a:p>
             <a:r>
               <a:rPr lang="en-US" altLang="zh-CN" dirty="0"/>
-              <a:t>10.121.110.18:30403</a:t>
-            </a:r>
+              <a:t> https://10.121.110.18:30403</a:t>
+            </a:r>
+            <a:endParaRPr lang="en-US" altLang="zh-CN" dirty="0"/>
           </a:p>
           <a:p>
             <a:endParaRPr kumimoji="1" lang="zh-CN" altLang="en-US" dirty="0"/>
@@ -7424,59 +7449,92 @@
         </p:spPr>
         <p:txBody>
           <a:bodyPr>
-            <a:normAutofit lnSpcReduction="10000"/>
+            <a:normAutofit fontScale="92500" lnSpcReduction="20000"/>
           </a:bodyPr>
           <a:lstStyle/>
           <a:p>
             <a:r>
-              <a:rPr lang="en-US" altLang="zh-CN" u="sng" dirty="0">
+              <a:rPr lang="en-US" altLang="zh-CN" dirty="0" err="1" smtClean="0"/>
+              <a:t>kubectl</a:t>
+            </a:r>
+            <a:r>
+              <a:rPr lang="en-US" altLang="zh-CN" dirty="0" smtClean="0"/>
+              <a:t> </a:t>
+            </a:r>
+            <a:r>
+              <a:rPr lang="en-US" altLang="zh-CN" dirty="0"/>
+              <a:t>create -f </a:t>
+            </a:r>
+            <a:r>
+              <a:rPr lang="en-US" altLang="zh-CN" dirty="0"/>
+              <a:t>https://raw.githubusercontent.com/resouer/kubernetes-ingress/master/examples/complete-example/cafe.yaml </a:t>
+            </a:r>
+            <a:endParaRPr lang="en-US" altLang="zh-CN" dirty="0" smtClean="0"/>
+          </a:p>
+          <a:p>
+            <a:r>
+              <a:rPr lang="en-US" altLang="zh-CN" dirty="0" err="1" smtClean="0"/>
+              <a:t>kubectl</a:t>
+            </a:r>
+            <a:r>
+              <a:rPr lang="en-US" altLang="zh-CN" dirty="0" smtClean="0"/>
+              <a:t> </a:t>
+            </a:r>
+            <a:r>
+              <a:rPr lang="en-US" altLang="zh-CN" dirty="0"/>
+              <a:t>create -f </a:t>
+            </a:r>
+            <a:r>
+              <a:rPr lang="en-US" altLang="zh-CN" dirty="0"/>
+              <a:t>https://</a:t>
+            </a:r>
+            <a:r>
+              <a:rPr lang="en-US" altLang="zh-CN" dirty="0" smtClean="0"/>
+              <a:t>raw.githubusercontent.com/resouer/kubernetes-ingress/master/examples/complete-example/</a:t>
+            </a:r>
+            <a:r>
+              <a:rPr lang="en-US" altLang="zh-CN" dirty="0" smtClean="0"/>
+              <a:t>cafe-</a:t>
+            </a:r>
+            <a:r>
+              <a:rPr lang="en-US" altLang="zh-CN" dirty="0" err="1" smtClean="0"/>
+              <a:t>secret.yaml</a:t>
+            </a:r>
+            <a:endParaRPr lang="en-US" altLang="zh-CN" dirty="0"/>
+          </a:p>
+          <a:p>
+            <a:r>
+              <a:rPr lang="en-US" altLang="zh-CN" dirty="0" err="1"/>
+              <a:t>kubectl</a:t>
+            </a:r>
+            <a:r>
+              <a:rPr lang="en-US" altLang="zh-CN" dirty="0"/>
+              <a:t> create -f </a:t>
+            </a:r>
+            <a:r>
+              <a:rPr lang="en-US" altLang="zh-CN" dirty="0">
                 <a:hlinkClick r:id="rId3"/>
               </a:rPr>
-              <a:t>https://github.com/resouer/kubernetes-ingress/tree/master/examples/complete-example</a:t>
-            </a:r>
-            <a:endParaRPr lang="en-US" altLang="zh-CN" dirty="0"/>
-          </a:p>
-          <a:p>
-            <a:r>
-              <a:rPr lang="en-US" altLang="zh-CN" dirty="0" err="1"/>
-              <a:t>kubectl</a:t>
-            </a:r>
-            <a:r>
-              <a:rPr lang="en-US" altLang="zh-CN" dirty="0"/>
-              <a:t> create -f </a:t>
-            </a:r>
-            <a:r>
-              <a:rPr lang="en-US" altLang="zh-CN" dirty="0" err="1"/>
-              <a:t>cafe.yaml</a:t>
-            </a:r>
-            <a:endParaRPr lang="en-US" altLang="zh-CN" dirty="0"/>
-          </a:p>
-          <a:p>
-            <a:r>
-              <a:rPr lang="en-US" altLang="zh-CN" dirty="0" err="1"/>
-              <a:t>kubectl</a:t>
-            </a:r>
-            <a:r>
-              <a:rPr lang="en-US" altLang="zh-CN" dirty="0"/>
-              <a:t> create -f cafe-</a:t>
-            </a:r>
-            <a:r>
-              <a:rPr lang="en-US" altLang="zh-CN" dirty="0" err="1"/>
-              <a:t>secret.yaml</a:t>
-            </a:r>
-            <a:endParaRPr lang="en-US" altLang="zh-CN" dirty="0"/>
-          </a:p>
-          <a:p>
-            <a:r>
-              <a:rPr lang="en-US" altLang="zh-CN" dirty="0" err="1"/>
-              <a:t>kubectl</a:t>
-            </a:r>
-            <a:r>
-              <a:rPr lang="en-US" altLang="zh-CN" dirty="0"/>
-              <a:t> create -f cafe-</a:t>
-            </a:r>
-            <a:r>
-              <a:rPr lang="en-US" altLang="zh-CN" dirty="0" err="1"/>
+              <a:t>h</a:t>
+            </a:r>
+            <a:r>
+              <a:rPr lang="en-US" altLang="zh-CN" dirty="0"/>
+              <a:t>ttps://</a:t>
+            </a:r>
+            <a:r>
+              <a:rPr lang="en-US" altLang="zh-CN" dirty="0" smtClean="0"/>
+              <a:t>raw.githubusercontent.com/resouer/kubernetes-ingress/master/examples/complete-example</a:t>
+            </a:r>
+            <a:r>
+              <a:rPr lang="en-US" altLang="zh-CN" dirty="0"/>
+              <a:t>/</a:t>
+            </a:r>
+            <a:r>
+              <a:rPr lang="en-US" altLang="zh-CN" dirty="0" smtClean="0"/>
+              <a:t>cafe-</a:t>
+            </a:r>
+            <a:r>
+              <a:rPr lang="en-US" altLang="zh-CN" dirty="0" err="1" smtClean="0"/>
               <a:t>ingress.yaml</a:t>
             </a:r>
             <a:endParaRPr lang="en-US" altLang="zh-CN" dirty="0"/>
